--- a/RBOT_101/RBOT101_Notes/figures/figures.pptx
+++ b/RBOT_101/RBOT101_Notes/figures/figures.pptx
@@ -13,6 +13,7 @@
     <p:sldId id="261" r:id="rId7"/>
     <p:sldId id="262" r:id="rId8"/>
     <p:sldId id="263" r:id="rId9"/>
+    <p:sldId id="264" r:id="rId10"/>
   </p:sldIdLst>
   <p:sldSz cx="12192000" cy="6858000"/>
   <p:notesSz cx="6858000" cy="9144000"/>
@@ -455,7 +456,7 @@
           <a:p>
             <a:fld id="{0D280508-E0AD-1049-8860-6AFFDEA0EF4B}" type="datetimeFigureOut">
               <a:rPr lang="en-US" smtClean="0"/>
-              <a:t>12/23/19</a:t>
+              <a:t>12/20/2020</a:t>
             </a:fld>
             <a:endParaRPr lang="en-US"/>
           </a:p>
@@ -653,7 +654,7 @@
           <a:p>
             <a:fld id="{0D280508-E0AD-1049-8860-6AFFDEA0EF4B}" type="datetimeFigureOut">
               <a:rPr lang="en-US" smtClean="0"/>
-              <a:t>12/23/19</a:t>
+              <a:t>12/20/2020</a:t>
             </a:fld>
             <a:endParaRPr lang="en-US"/>
           </a:p>
@@ -861,7 +862,7 @@
           <a:p>
             <a:fld id="{0D280508-E0AD-1049-8860-6AFFDEA0EF4B}" type="datetimeFigureOut">
               <a:rPr lang="en-US" smtClean="0"/>
-              <a:t>12/23/19</a:t>
+              <a:t>12/20/2020</a:t>
             </a:fld>
             <a:endParaRPr lang="en-US"/>
           </a:p>
@@ -1059,7 +1060,7 @@
           <a:p>
             <a:fld id="{0D280508-E0AD-1049-8860-6AFFDEA0EF4B}" type="datetimeFigureOut">
               <a:rPr lang="en-US" smtClean="0"/>
-              <a:t>12/23/19</a:t>
+              <a:t>12/20/2020</a:t>
             </a:fld>
             <a:endParaRPr lang="en-US"/>
           </a:p>
@@ -1334,7 +1335,7 @@
           <a:p>
             <a:fld id="{0D280508-E0AD-1049-8860-6AFFDEA0EF4B}" type="datetimeFigureOut">
               <a:rPr lang="en-US" smtClean="0"/>
-              <a:t>12/23/19</a:t>
+              <a:t>12/20/2020</a:t>
             </a:fld>
             <a:endParaRPr lang="en-US"/>
           </a:p>
@@ -1599,7 +1600,7 @@
           <a:p>
             <a:fld id="{0D280508-E0AD-1049-8860-6AFFDEA0EF4B}" type="datetimeFigureOut">
               <a:rPr lang="en-US" smtClean="0"/>
-              <a:t>12/23/19</a:t>
+              <a:t>12/20/2020</a:t>
             </a:fld>
             <a:endParaRPr lang="en-US"/>
           </a:p>
@@ -2011,7 +2012,7 @@
           <a:p>
             <a:fld id="{0D280508-E0AD-1049-8860-6AFFDEA0EF4B}" type="datetimeFigureOut">
               <a:rPr lang="en-US" smtClean="0"/>
-              <a:t>12/23/19</a:t>
+              <a:t>12/20/2020</a:t>
             </a:fld>
             <a:endParaRPr lang="en-US"/>
           </a:p>
@@ -2152,7 +2153,7 @@
           <a:p>
             <a:fld id="{0D280508-E0AD-1049-8860-6AFFDEA0EF4B}" type="datetimeFigureOut">
               <a:rPr lang="en-US" smtClean="0"/>
-              <a:t>12/23/19</a:t>
+              <a:t>12/20/2020</a:t>
             </a:fld>
             <a:endParaRPr lang="en-US"/>
           </a:p>
@@ -2265,7 +2266,7 @@
           <a:p>
             <a:fld id="{0D280508-E0AD-1049-8860-6AFFDEA0EF4B}" type="datetimeFigureOut">
               <a:rPr lang="en-US" smtClean="0"/>
-              <a:t>12/23/19</a:t>
+              <a:t>12/20/2020</a:t>
             </a:fld>
             <a:endParaRPr lang="en-US"/>
           </a:p>
@@ -2576,7 +2577,7 @@
           <a:p>
             <a:fld id="{0D280508-E0AD-1049-8860-6AFFDEA0EF4B}" type="datetimeFigureOut">
               <a:rPr lang="en-US" smtClean="0"/>
-              <a:t>12/23/19</a:t>
+              <a:t>12/20/2020</a:t>
             </a:fld>
             <a:endParaRPr lang="en-US"/>
           </a:p>
@@ -2864,7 +2865,7 @@
           <a:p>
             <a:fld id="{0D280508-E0AD-1049-8860-6AFFDEA0EF4B}" type="datetimeFigureOut">
               <a:rPr lang="en-US" smtClean="0"/>
-              <a:t>12/23/19</a:t>
+              <a:t>12/20/2020</a:t>
             </a:fld>
             <a:endParaRPr lang="en-US"/>
           </a:p>
@@ -3105,7 +3106,7 @@
           <a:p>
             <a:fld id="{0D280508-E0AD-1049-8860-6AFFDEA0EF4B}" type="datetimeFigureOut">
               <a:rPr lang="en-US" smtClean="0"/>
-              <a:t>12/23/19</a:t>
+              <a:t>12/20/2020</a:t>
             </a:fld>
             <a:endParaRPr lang="en-US"/>
           </a:p>
@@ -17729,8 +17730,8 @@
           </a:p>
         </p:txBody>
       </p:sp>
-      <mc:AlternateContent xmlns:mc="http://schemas.openxmlformats.org/markup-compatibility/2006">
-        <mc:Choice xmlns:a14="http://schemas.microsoft.com/office/drawing/2010/main" Requires="a14">
+      <mc:AlternateContent xmlns:mc="http://schemas.openxmlformats.org/markup-compatibility/2006" xmlns:a14="http://schemas.microsoft.com/office/drawing/2010/main">
+        <mc:Choice Requires="a14">
           <p:sp>
             <p:nvSpPr>
               <p:cNvPr id="54" name="TextBox 53">
@@ -17759,6 +17760,7 @@
               </a:bodyPr>
               <a:lstStyle/>
               <a:p>
+                <a:pPr/>
                 <a14:m>
                   <m:oMathPara xmlns:m="http://schemas.openxmlformats.org/officeDocument/2006/math">
                     <m:oMathParaPr>
@@ -17780,7 +17782,7 @@
             </p:txBody>
           </p:sp>
         </mc:Choice>
-        <mc:Fallback>
+        <mc:Fallback xmlns="">
           <p:sp>
             <p:nvSpPr>
               <p:cNvPr id="54" name="TextBox 53">
@@ -18017,8 +18019,8 @@
           </a:fontRef>
         </p:style>
       </p:cxnSp>
-      <mc:AlternateContent xmlns:mc="http://schemas.openxmlformats.org/markup-compatibility/2006">
-        <mc:Choice xmlns:a14="http://schemas.microsoft.com/office/drawing/2010/main" Requires="a14">
+      <mc:AlternateContent xmlns:mc="http://schemas.openxmlformats.org/markup-compatibility/2006" xmlns:a14="http://schemas.microsoft.com/office/drawing/2010/main">
+        <mc:Choice Requires="a14">
           <p:sp>
             <p:nvSpPr>
               <p:cNvPr id="13" name="TextBox 12">
@@ -18070,6 +18072,7 @@
               </a:bodyPr>
               <a:lstStyle/>
               <a:p>
+                <a:pPr/>
                 <a14:m>
                   <m:oMathPara xmlns:m="http://schemas.openxmlformats.org/officeDocument/2006/math">
                     <m:oMathParaPr>
@@ -18118,7 +18121,7 @@
             </p:txBody>
           </p:sp>
         </mc:Choice>
-        <mc:Fallback>
+        <mc:Fallback xmlns="">
           <p:sp>
             <p:nvSpPr>
               <p:cNvPr id="13" name="TextBox 12">
@@ -18163,8 +18166,8 @@
           </p:sp>
         </mc:Fallback>
       </mc:AlternateContent>
-      <mc:AlternateContent xmlns:mc="http://schemas.openxmlformats.org/markup-compatibility/2006">
-        <mc:Choice xmlns:a14="http://schemas.microsoft.com/office/drawing/2010/main" Requires="a14">
+      <mc:AlternateContent xmlns:mc="http://schemas.openxmlformats.org/markup-compatibility/2006" xmlns:a14="http://schemas.microsoft.com/office/drawing/2010/main">
+        <mc:Choice Requires="a14">
           <p:sp>
             <p:nvSpPr>
               <p:cNvPr id="14" name="TextBox 13">
@@ -18217,6 +18220,7 @@
               </a:bodyPr>
               <a:lstStyle/>
               <a:p>
+                <a:pPr/>
                 <a14:m>
                   <m:oMathPara xmlns:m="http://schemas.openxmlformats.org/officeDocument/2006/math">
                     <m:oMathParaPr>
@@ -18265,7 +18269,7 @@
             </p:txBody>
           </p:sp>
         </mc:Choice>
-        <mc:Fallback>
+        <mc:Fallback xmlns="">
           <p:sp>
             <p:nvSpPr>
               <p:cNvPr id="14" name="TextBox 13">
@@ -18314,6 +18318,1896 @@
     <p:extLst>
       <p:ext uri="{BB962C8B-B14F-4D97-AF65-F5344CB8AC3E}">
         <p14:creationId xmlns:p14="http://schemas.microsoft.com/office/powerpoint/2010/main" val="1999228344"/>
+      </p:ext>
+    </p:extLst>
+  </p:cSld>
+  <p:clrMapOvr>
+    <a:masterClrMapping/>
+  </p:clrMapOvr>
+</p:sld>
+</file>
+
+<file path=ppt/slides/slide9.xml><?xml version="1.0" encoding="utf-8"?>
+<p:sld xmlns:a="http://schemas.openxmlformats.org/drawingml/2006/main" xmlns:r="http://schemas.openxmlformats.org/officeDocument/2006/relationships" xmlns:p="http://schemas.openxmlformats.org/presentationml/2006/main">
+  <p:cSld>
+    <p:spTree>
+      <p:nvGrpSpPr>
+        <p:cNvPr id="1" name=""/>
+        <p:cNvGrpSpPr/>
+        <p:nvPr/>
+      </p:nvGrpSpPr>
+      <p:grpSpPr>
+        <a:xfrm>
+          <a:off x="0" y="0"/>
+          <a:ext cx="0" cy="0"/>
+          <a:chOff x="0" y="0"/>
+          <a:chExt cx="0" cy="0"/>
+        </a:xfrm>
+      </p:grpSpPr>
+      <p:cxnSp>
+        <p:nvCxnSpPr>
+          <p:cNvPr id="14" name="Straight Arrow Connector 13">
+            <a:extLst>
+              <a:ext uri="{FF2B5EF4-FFF2-40B4-BE49-F238E27FC236}">
+                <a16:creationId xmlns:a16="http://schemas.microsoft.com/office/drawing/2014/main" id="{2CDC4A74-98AF-4C2B-89B0-40CFAEF3E7FC}"/>
+              </a:ext>
+            </a:extLst>
+          </p:cNvPr>
+          <p:cNvCxnSpPr>
+            <a:cxnSpLocks/>
+          </p:cNvCxnSpPr>
+          <p:nvPr/>
+        </p:nvCxnSpPr>
+        <p:spPr>
+          <a:xfrm flipH="1" flipV="1">
+            <a:off x="7977102" y="3943940"/>
+            <a:ext cx="592232" cy="793320"/>
+          </a:xfrm>
+          <a:prstGeom prst="straightConnector1">
+            <a:avLst/>
+          </a:prstGeom>
+          <a:ln w="28575">
+            <a:tailEnd type="triangle"/>
+          </a:ln>
+        </p:spPr>
+        <p:style>
+          <a:lnRef idx="1">
+            <a:schemeClr val="accent1"/>
+          </a:lnRef>
+          <a:fillRef idx="0">
+            <a:schemeClr val="accent1"/>
+          </a:fillRef>
+          <a:effectRef idx="0">
+            <a:schemeClr val="accent1"/>
+          </a:effectRef>
+          <a:fontRef idx="minor">
+            <a:schemeClr val="tx1"/>
+          </a:fontRef>
+        </p:style>
+      </p:cxnSp>
+      <p:cxnSp>
+        <p:nvCxnSpPr>
+          <p:cNvPr id="15" name="Straight Arrow Connector 14">
+            <a:extLst>
+              <a:ext uri="{FF2B5EF4-FFF2-40B4-BE49-F238E27FC236}">
+                <a16:creationId xmlns:a16="http://schemas.microsoft.com/office/drawing/2014/main" id="{779DCF08-C0E1-4B8B-8620-969641AE8477}"/>
+              </a:ext>
+            </a:extLst>
+          </p:cNvPr>
+          <p:cNvCxnSpPr>
+            <a:cxnSpLocks/>
+          </p:cNvCxnSpPr>
+          <p:nvPr/>
+        </p:nvCxnSpPr>
+        <p:spPr>
+          <a:xfrm flipV="1">
+            <a:off x="8569333" y="3854293"/>
+            <a:ext cx="366993" cy="882968"/>
+          </a:xfrm>
+          <a:prstGeom prst="straightConnector1">
+            <a:avLst/>
+          </a:prstGeom>
+          <a:ln w="28575">
+            <a:tailEnd type="triangle"/>
+          </a:ln>
+        </p:spPr>
+        <p:style>
+          <a:lnRef idx="1">
+            <a:schemeClr val="accent1"/>
+          </a:lnRef>
+          <a:fillRef idx="0">
+            <a:schemeClr val="accent1"/>
+          </a:fillRef>
+          <a:effectRef idx="0">
+            <a:schemeClr val="accent1"/>
+          </a:effectRef>
+          <a:fontRef idx="minor">
+            <a:schemeClr val="tx1"/>
+          </a:fontRef>
+        </p:style>
+      </p:cxnSp>
+      <p:cxnSp>
+        <p:nvCxnSpPr>
+          <p:cNvPr id="16" name="Straight Arrow Connector 15">
+            <a:extLst>
+              <a:ext uri="{FF2B5EF4-FFF2-40B4-BE49-F238E27FC236}">
+                <a16:creationId xmlns:a16="http://schemas.microsoft.com/office/drawing/2014/main" id="{77C790DC-166C-4B6D-BDA5-D8530F3AB912}"/>
+              </a:ext>
+            </a:extLst>
+          </p:cNvPr>
+          <p:cNvCxnSpPr>
+            <a:cxnSpLocks/>
+          </p:cNvCxnSpPr>
+          <p:nvPr/>
+        </p:nvCxnSpPr>
+        <p:spPr>
+          <a:xfrm flipH="1">
+            <a:off x="7726090" y="4737260"/>
+            <a:ext cx="843243" cy="309226"/>
+          </a:xfrm>
+          <a:prstGeom prst="straightConnector1">
+            <a:avLst/>
+          </a:prstGeom>
+          <a:ln w="28575">
+            <a:tailEnd type="triangle"/>
+          </a:ln>
+        </p:spPr>
+        <p:style>
+          <a:lnRef idx="1">
+            <a:schemeClr val="accent1"/>
+          </a:lnRef>
+          <a:fillRef idx="0">
+            <a:schemeClr val="accent1"/>
+          </a:fillRef>
+          <a:effectRef idx="0">
+            <a:schemeClr val="accent1"/>
+          </a:effectRef>
+          <a:fontRef idx="minor">
+            <a:schemeClr val="tx1"/>
+          </a:fontRef>
+        </p:style>
+      </p:cxnSp>
+      <mc:AlternateContent xmlns:mc="http://schemas.openxmlformats.org/markup-compatibility/2006">
+        <mc:Choice xmlns:a14="http://schemas.microsoft.com/office/drawing/2010/main" Requires="a14">
+          <p:sp>
+            <p:nvSpPr>
+              <p:cNvPr id="35" name="TextBox 34">
+                <a:extLst>
+                  <a:ext uri="{FF2B5EF4-FFF2-40B4-BE49-F238E27FC236}">
+                    <a16:creationId xmlns:a16="http://schemas.microsoft.com/office/drawing/2014/main" id="{DEDF7A83-1B78-450C-9D61-642353B80548}"/>
+                  </a:ext>
+                </a:extLst>
+              </p:cNvPr>
+              <p:cNvSpPr txBox="1"/>
+              <p:nvPr/>
+            </p:nvSpPr>
+            <p:spPr>
+              <a:xfrm>
+                <a:off x="8837714" y="3484961"/>
+                <a:ext cx="379848" cy="369332"/>
+              </a:xfrm>
+              <a:prstGeom prst="rect">
+                <a:avLst/>
+              </a:prstGeom>
+              <a:noFill/>
+            </p:spPr>
+            <p:txBody>
+              <a:bodyPr wrap="none" lIns="0" tIns="0" rIns="0" bIns="0" rtlCol="0">
+                <a:spAutoFit/>
+              </a:bodyPr>
+              <a:lstStyle/>
+              <a:p>
+                <a14:m>
+                  <m:oMathPara xmlns:m="http://schemas.openxmlformats.org/officeDocument/2006/math">
+                    <m:oMathParaPr>
+                      <m:jc m:val="centerGroup"/>
+                    </m:oMathParaPr>
+                    <m:oMath xmlns:m="http://schemas.openxmlformats.org/officeDocument/2006/math">
+                      <m:sSub>
+                        <m:sSubPr>
+                          <m:ctrlPr>
+                            <a:rPr lang="en-US" sz="2400" b="1" i="1" smtClean="0">
+                              <a:latin typeface="Cambria Math" panose="02040503050406030204" pitchFamily="18" charset="0"/>
+                            </a:rPr>
+                          </m:ctrlPr>
+                        </m:sSubPr>
+                        <m:e>
+                          <m:r>
+                            <a:rPr lang="en-US" sz="2400" b="1" i="1" smtClean="0">
+                              <a:latin typeface="Cambria Math" panose="02040503050406030204" pitchFamily="18" charset="0"/>
+                            </a:rPr>
+                            <m:t>𝒙</m:t>
+                          </m:r>
+                        </m:e>
+                        <m:sub>
+                          <m:r>
+                            <a:rPr lang="en-US" sz="2400" b="1" i="1" smtClean="0">
+                              <a:latin typeface="Cambria Math" panose="02040503050406030204" pitchFamily="18" charset="0"/>
+                            </a:rPr>
+                            <m:t>𝒓</m:t>
+                          </m:r>
+                        </m:sub>
+                      </m:sSub>
+                    </m:oMath>
+                  </m:oMathPara>
+                </a14:m>
+                <a:endParaRPr lang="en-US" b="1" dirty="0"/>
+              </a:p>
+            </p:txBody>
+          </p:sp>
+        </mc:Choice>
+        <mc:Fallback>
+          <p:sp>
+            <p:nvSpPr>
+              <p:cNvPr id="35" name="TextBox 34">
+                <a:extLst>
+                  <a:ext uri="{FF2B5EF4-FFF2-40B4-BE49-F238E27FC236}">
+                    <a16:creationId xmlns:a16="http://schemas.microsoft.com/office/drawing/2014/main" id="{DEDF7A83-1B78-450C-9D61-642353B80548}"/>
+                  </a:ext>
+                </a:extLst>
+              </p:cNvPr>
+              <p:cNvSpPr txBox="1">
+                <a:spLocks noRot="1" noChangeAspect="1" noMove="1" noResize="1" noEditPoints="1" noAdjustHandles="1" noChangeArrowheads="1" noChangeShapeType="1" noTextEdit="1"/>
+              </p:cNvSpPr>
+              <p:nvPr/>
+            </p:nvSpPr>
+            <p:spPr>
+              <a:xfrm>
+                <a:off x="8837714" y="3484961"/>
+                <a:ext cx="379848" cy="369332"/>
+              </a:xfrm>
+              <a:prstGeom prst="rect">
+                <a:avLst/>
+              </a:prstGeom>
+              <a:blipFill>
+                <a:blip r:embed="rId2"/>
+                <a:stretch>
+                  <a:fillRect l="-11290" r="-3226" b="-10000"/>
+                </a:stretch>
+              </a:blipFill>
+            </p:spPr>
+            <p:txBody>
+              <a:bodyPr/>
+              <a:lstStyle/>
+              <a:p>
+                <a:r>
+                  <a:rPr lang="en-US">
+                    <a:noFill/>
+                  </a:rPr>
+                  <a:t> </a:t>
+                </a:r>
+              </a:p>
+            </p:txBody>
+          </p:sp>
+        </mc:Fallback>
+      </mc:AlternateContent>
+      <mc:AlternateContent xmlns:mc="http://schemas.openxmlformats.org/markup-compatibility/2006">
+        <mc:Choice xmlns:a14="http://schemas.microsoft.com/office/drawing/2010/main" Requires="a14">
+          <p:sp>
+            <p:nvSpPr>
+              <p:cNvPr id="37" name="TextBox 36">
+                <a:extLst>
+                  <a:ext uri="{FF2B5EF4-FFF2-40B4-BE49-F238E27FC236}">
+                    <a16:creationId xmlns:a16="http://schemas.microsoft.com/office/drawing/2014/main" id="{89DC98D2-37DA-48E6-8FFC-F7CE36FDA0AE}"/>
+                  </a:ext>
+                </a:extLst>
+              </p:cNvPr>
+              <p:cNvSpPr txBox="1"/>
+              <p:nvPr/>
+            </p:nvSpPr>
+            <p:spPr>
+              <a:xfrm>
+                <a:off x="7726090" y="3601936"/>
+                <a:ext cx="386260" cy="369332"/>
+              </a:xfrm>
+              <a:prstGeom prst="rect">
+                <a:avLst/>
+              </a:prstGeom>
+              <a:noFill/>
+            </p:spPr>
+            <p:txBody>
+              <a:bodyPr wrap="none" lIns="0" tIns="0" rIns="0" bIns="0" rtlCol="0">
+                <a:spAutoFit/>
+              </a:bodyPr>
+              <a:lstStyle/>
+              <a:p>
+                <a14:m>
+                  <m:oMathPara xmlns:m="http://schemas.openxmlformats.org/officeDocument/2006/math">
+                    <m:oMathParaPr>
+                      <m:jc m:val="centerGroup"/>
+                    </m:oMathParaPr>
+                    <m:oMath xmlns:m="http://schemas.openxmlformats.org/officeDocument/2006/math">
+                      <m:sSub>
+                        <m:sSubPr>
+                          <m:ctrlPr>
+                            <a:rPr lang="en-US" sz="2400" b="1" i="1" smtClean="0">
+                              <a:latin typeface="Cambria Math" panose="02040503050406030204" pitchFamily="18" charset="0"/>
+                            </a:rPr>
+                          </m:ctrlPr>
+                        </m:sSubPr>
+                        <m:e>
+                          <m:r>
+                            <a:rPr lang="en-US" sz="2400" b="1" i="1" smtClean="0">
+                              <a:latin typeface="Cambria Math" panose="02040503050406030204" pitchFamily="18" charset="0"/>
+                            </a:rPr>
+                            <m:t>𝒚</m:t>
+                          </m:r>
+                        </m:e>
+                        <m:sub>
+                          <m:r>
+                            <a:rPr lang="en-US" sz="2400" b="1" i="1" smtClean="0">
+                              <a:latin typeface="Cambria Math" panose="02040503050406030204" pitchFamily="18" charset="0"/>
+                            </a:rPr>
+                            <m:t>𝒓</m:t>
+                          </m:r>
+                        </m:sub>
+                      </m:sSub>
+                    </m:oMath>
+                  </m:oMathPara>
+                </a14:m>
+                <a:endParaRPr lang="en-US" b="1" dirty="0"/>
+              </a:p>
+            </p:txBody>
+          </p:sp>
+        </mc:Choice>
+        <mc:Fallback>
+          <p:sp>
+            <p:nvSpPr>
+              <p:cNvPr id="37" name="TextBox 36">
+                <a:extLst>
+                  <a:ext uri="{FF2B5EF4-FFF2-40B4-BE49-F238E27FC236}">
+                    <a16:creationId xmlns:a16="http://schemas.microsoft.com/office/drawing/2014/main" id="{89DC98D2-37DA-48E6-8FFC-F7CE36FDA0AE}"/>
+                  </a:ext>
+                </a:extLst>
+              </p:cNvPr>
+              <p:cNvSpPr txBox="1">
+                <a:spLocks noRot="1" noChangeAspect="1" noMove="1" noResize="1" noEditPoints="1" noAdjustHandles="1" noChangeArrowheads="1" noChangeShapeType="1" noTextEdit="1"/>
+              </p:cNvSpPr>
+              <p:nvPr/>
+            </p:nvSpPr>
+            <p:spPr>
+              <a:xfrm>
+                <a:off x="7726090" y="3601936"/>
+                <a:ext cx="386260" cy="369332"/>
+              </a:xfrm>
+              <a:prstGeom prst="rect">
+                <a:avLst/>
+              </a:prstGeom>
+              <a:blipFill>
+                <a:blip r:embed="rId3"/>
+                <a:stretch>
+                  <a:fillRect l="-18750" r="-3125" b="-26667"/>
+                </a:stretch>
+              </a:blipFill>
+            </p:spPr>
+            <p:txBody>
+              <a:bodyPr/>
+              <a:lstStyle/>
+              <a:p>
+                <a:r>
+                  <a:rPr lang="en-US">
+                    <a:noFill/>
+                  </a:rPr>
+                  <a:t> </a:t>
+                </a:r>
+              </a:p>
+            </p:txBody>
+          </p:sp>
+        </mc:Fallback>
+      </mc:AlternateContent>
+      <mc:AlternateContent xmlns:mc="http://schemas.openxmlformats.org/markup-compatibility/2006">
+        <mc:Choice xmlns:a14="http://schemas.microsoft.com/office/drawing/2010/main" Requires="a14">
+          <p:sp>
+            <p:nvSpPr>
+              <p:cNvPr id="38" name="TextBox 37">
+                <a:extLst>
+                  <a:ext uri="{FF2B5EF4-FFF2-40B4-BE49-F238E27FC236}">
+                    <a16:creationId xmlns:a16="http://schemas.microsoft.com/office/drawing/2014/main" id="{920964E3-EE0C-4091-AC3C-F8CCC0018AF1}"/>
+                  </a:ext>
+                </a:extLst>
+              </p:cNvPr>
+              <p:cNvSpPr txBox="1"/>
+              <p:nvPr/>
+            </p:nvSpPr>
+            <p:spPr>
+              <a:xfrm>
+                <a:off x="7383110" y="4778488"/>
+                <a:ext cx="360612" cy="369332"/>
+              </a:xfrm>
+              <a:prstGeom prst="rect">
+                <a:avLst/>
+              </a:prstGeom>
+              <a:noFill/>
+            </p:spPr>
+            <p:txBody>
+              <a:bodyPr wrap="none" lIns="0" tIns="0" rIns="0" bIns="0" rtlCol="0">
+                <a:spAutoFit/>
+              </a:bodyPr>
+              <a:lstStyle/>
+              <a:p>
+                <a14:m>
+                  <m:oMathPara xmlns:m="http://schemas.openxmlformats.org/officeDocument/2006/math">
+                    <m:oMathParaPr>
+                      <m:jc m:val="centerGroup"/>
+                    </m:oMathParaPr>
+                    <m:oMath xmlns:m="http://schemas.openxmlformats.org/officeDocument/2006/math">
+                      <m:sSub>
+                        <m:sSubPr>
+                          <m:ctrlPr>
+                            <a:rPr lang="en-US" sz="2400" b="1" i="1" smtClean="0">
+                              <a:latin typeface="Cambria Math" panose="02040503050406030204" pitchFamily="18" charset="0"/>
+                            </a:rPr>
+                          </m:ctrlPr>
+                        </m:sSubPr>
+                        <m:e>
+                          <m:r>
+                            <a:rPr lang="en-US" sz="2400" b="1" i="1" smtClean="0">
+                              <a:latin typeface="Cambria Math" panose="02040503050406030204" pitchFamily="18" charset="0"/>
+                            </a:rPr>
+                            <m:t>𝒛</m:t>
+                          </m:r>
+                        </m:e>
+                        <m:sub>
+                          <m:r>
+                            <a:rPr lang="en-US" sz="2400" b="1" i="1" smtClean="0">
+                              <a:latin typeface="Cambria Math" panose="02040503050406030204" pitchFamily="18" charset="0"/>
+                            </a:rPr>
+                            <m:t>𝒓</m:t>
+                          </m:r>
+                        </m:sub>
+                      </m:sSub>
+                    </m:oMath>
+                  </m:oMathPara>
+                </a14:m>
+                <a:endParaRPr lang="en-US" b="1" dirty="0"/>
+              </a:p>
+            </p:txBody>
+          </p:sp>
+        </mc:Choice>
+        <mc:Fallback>
+          <p:sp>
+            <p:nvSpPr>
+              <p:cNvPr id="38" name="TextBox 37">
+                <a:extLst>
+                  <a:ext uri="{FF2B5EF4-FFF2-40B4-BE49-F238E27FC236}">
+                    <a16:creationId xmlns:a16="http://schemas.microsoft.com/office/drawing/2014/main" id="{920964E3-EE0C-4091-AC3C-F8CCC0018AF1}"/>
+                  </a:ext>
+                </a:extLst>
+              </p:cNvPr>
+              <p:cNvSpPr txBox="1">
+                <a:spLocks noRot="1" noChangeAspect="1" noMove="1" noResize="1" noEditPoints="1" noAdjustHandles="1" noChangeArrowheads="1" noChangeShapeType="1" noTextEdit="1"/>
+              </p:cNvSpPr>
+              <p:nvPr/>
+            </p:nvSpPr>
+            <p:spPr>
+              <a:xfrm>
+                <a:off x="7383110" y="4778488"/>
+                <a:ext cx="360612" cy="369332"/>
+              </a:xfrm>
+              <a:prstGeom prst="rect">
+                <a:avLst/>
+              </a:prstGeom>
+              <a:blipFill>
+                <a:blip r:embed="rId4"/>
+                <a:stretch>
+                  <a:fillRect l="-11864" r="-5085" b="-10000"/>
+                </a:stretch>
+              </a:blipFill>
+            </p:spPr>
+            <p:txBody>
+              <a:bodyPr/>
+              <a:lstStyle/>
+              <a:p>
+                <a:r>
+                  <a:rPr lang="en-US">
+                    <a:noFill/>
+                  </a:rPr>
+                  <a:t> </a:t>
+                </a:r>
+              </a:p>
+            </p:txBody>
+          </p:sp>
+        </mc:Fallback>
+      </mc:AlternateContent>
+      <p:cxnSp>
+        <p:nvCxnSpPr>
+          <p:cNvPr id="39" name="Straight Arrow Connector 38">
+            <a:extLst>
+              <a:ext uri="{FF2B5EF4-FFF2-40B4-BE49-F238E27FC236}">
+                <a16:creationId xmlns:a16="http://schemas.microsoft.com/office/drawing/2014/main" id="{18973E4F-689F-4A75-9889-548BB8CC75C3}"/>
+              </a:ext>
+            </a:extLst>
+          </p:cNvPr>
+          <p:cNvCxnSpPr>
+            <a:cxnSpLocks/>
+          </p:cNvCxnSpPr>
+          <p:nvPr/>
+        </p:nvCxnSpPr>
+        <p:spPr>
+          <a:xfrm flipV="1">
+            <a:off x="2787743" y="3642200"/>
+            <a:ext cx="0" cy="822960"/>
+          </a:xfrm>
+          <a:prstGeom prst="straightConnector1">
+            <a:avLst/>
+          </a:prstGeom>
+          <a:ln w="28575">
+            <a:tailEnd type="triangle"/>
+          </a:ln>
+        </p:spPr>
+        <p:style>
+          <a:lnRef idx="1">
+            <a:schemeClr val="accent1"/>
+          </a:lnRef>
+          <a:fillRef idx="0">
+            <a:schemeClr val="accent1"/>
+          </a:fillRef>
+          <a:effectRef idx="0">
+            <a:schemeClr val="accent1"/>
+          </a:effectRef>
+          <a:fontRef idx="minor">
+            <a:schemeClr val="tx1"/>
+          </a:fontRef>
+        </p:style>
+      </p:cxnSp>
+      <p:cxnSp>
+        <p:nvCxnSpPr>
+          <p:cNvPr id="40" name="Straight Arrow Connector 39">
+            <a:extLst>
+              <a:ext uri="{FF2B5EF4-FFF2-40B4-BE49-F238E27FC236}">
+                <a16:creationId xmlns:a16="http://schemas.microsoft.com/office/drawing/2014/main" id="{55561C5C-EE73-4127-B466-2D4ED9864D88}"/>
+              </a:ext>
+            </a:extLst>
+          </p:cNvPr>
+          <p:cNvCxnSpPr>
+            <a:cxnSpLocks/>
+          </p:cNvCxnSpPr>
+          <p:nvPr/>
+        </p:nvCxnSpPr>
+        <p:spPr>
+          <a:xfrm flipV="1">
+            <a:off x="2787743" y="3846708"/>
+            <a:ext cx="752475" cy="618452"/>
+          </a:xfrm>
+          <a:prstGeom prst="straightConnector1">
+            <a:avLst/>
+          </a:prstGeom>
+          <a:ln w="28575">
+            <a:tailEnd type="triangle"/>
+          </a:ln>
+        </p:spPr>
+        <p:style>
+          <a:lnRef idx="1">
+            <a:schemeClr val="accent1"/>
+          </a:lnRef>
+          <a:fillRef idx="0">
+            <a:schemeClr val="accent1"/>
+          </a:fillRef>
+          <a:effectRef idx="0">
+            <a:schemeClr val="accent1"/>
+          </a:effectRef>
+          <a:fontRef idx="minor">
+            <a:schemeClr val="tx1"/>
+          </a:fontRef>
+        </p:style>
+      </p:cxnSp>
+      <p:cxnSp>
+        <p:nvCxnSpPr>
+          <p:cNvPr id="41" name="Straight Arrow Connector 40">
+            <a:extLst>
+              <a:ext uri="{FF2B5EF4-FFF2-40B4-BE49-F238E27FC236}">
+                <a16:creationId xmlns:a16="http://schemas.microsoft.com/office/drawing/2014/main" id="{C79B3317-0995-49CE-AE6B-41BE104625B1}"/>
+              </a:ext>
+            </a:extLst>
+          </p:cNvPr>
+          <p:cNvCxnSpPr>
+            <a:cxnSpLocks/>
+          </p:cNvCxnSpPr>
+          <p:nvPr/>
+        </p:nvCxnSpPr>
+        <p:spPr>
+          <a:xfrm>
+            <a:off x="2787743" y="4465160"/>
+            <a:ext cx="752475" cy="367666"/>
+          </a:xfrm>
+          <a:prstGeom prst="straightConnector1">
+            <a:avLst/>
+          </a:prstGeom>
+          <a:ln w="28575">
+            <a:tailEnd type="triangle"/>
+          </a:ln>
+        </p:spPr>
+        <p:style>
+          <a:lnRef idx="1">
+            <a:schemeClr val="accent1"/>
+          </a:lnRef>
+          <a:fillRef idx="0">
+            <a:schemeClr val="accent1"/>
+          </a:fillRef>
+          <a:effectRef idx="0">
+            <a:schemeClr val="accent1"/>
+          </a:effectRef>
+          <a:fontRef idx="minor">
+            <a:schemeClr val="tx1"/>
+          </a:fontRef>
+        </p:style>
+      </p:cxnSp>
+      <mc:AlternateContent xmlns:mc="http://schemas.openxmlformats.org/markup-compatibility/2006">
+        <mc:Choice xmlns:a14="http://schemas.microsoft.com/office/drawing/2010/main" Requires="a14">
+          <p:sp>
+            <p:nvSpPr>
+              <p:cNvPr id="42" name="TextBox 41">
+                <a:extLst>
+                  <a:ext uri="{FF2B5EF4-FFF2-40B4-BE49-F238E27FC236}">
+                    <a16:creationId xmlns:a16="http://schemas.microsoft.com/office/drawing/2014/main" id="{C21F94A1-C5CD-41CB-88B3-24CEBAEF0423}"/>
+                  </a:ext>
+                </a:extLst>
+              </p:cNvPr>
+              <p:cNvSpPr txBox="1"/>
+              <p:nvPr/>
+            </p:nvSpPr>
+            <p:spPr>
+              <a:xfrm>
+                <a:off x="3540218" y="4694326"/>
+                <a:ext cx="342979" cy="369332"/>
+              </a:xfrm>
+              <a:prstGeom prst="rect">
+                <a:avLst/>
+              </a:prstGeom>
+              <a:noFill/>
+            </p:spPr>
+            <p:txBody>
+              <a:bodyPr wrap="none" lIns="0" tIns="0" rIns="0" bIns="0" rtlCol="0">
+                <a:spAutoFit/>
+              </a:bodyPr>
+              <a:lstStyle/>
+              <a:p>
+                <a14:m>
+                  <m:oMathPara xmlns:m="http://schemas.openxmlformats.org/officeDocument/2006/math">
+                    <m:oMathParaPr>
+                      <m:jc m:val="centerGroup"/>
+                    </m:oMathParaPr>
+                    <m:oMath xmlns:m="http://schemas.openxmlformats.org/officeDocument/2006/math">
+                      <m:sSub>
+                        <m:sSubPr>
+                          <m:ctrlPr>
+                            <a:rPr lang="en-US" sz="2400" b="1" i="1" smtClean="0">
+                              <a:latin typeface="Cambria Math" panose="02040503050406030204" pitchFamily="18" charset="0"/>
+                            </a:rPr>
+                          </m:ctrlPr>
+                        </m:sSubPr>
+                        <m:e>
+                          <m:r>
+                            <a:rPr lang="en-US" sz="2400" b="1" i="1" smtClean="0">
+                              <a:latin typeface="Cambria Math" panose="02040503050406030204" pitchFamily="18" charset="0"/>
+                            </a:rPr>
+                            <m:t>𝒙</m:t>
+                          </m:r>
+                        </m:e>
+                        <m:sub>
+                          <m:r>
+                            <a:rPr lang="en-US" sz="2400" b="1" i="1" smtClean="0">
+                              <a:latin typeface="Cambria Math" panose="02040503050406030204" pitchFamily="18" charset="0"/>
+                            </a:rPr>
+                            <m:t>𝒍</m:t>
+                          </m:r>
+                        </m:sub>
+                      </m:sSub>
+                    </m:oMath>
+                  </m:oMathPara>
+                </a14:m>
+                <a:endParaRPr lang="en-US" b="1" dirty="0"/>
+              </a:p>
+            </p:txBody>
+          </p:sp>
+        </mc:Choice>
+        <mc:Fallback>
+          <p:sp>
+            <p:nvSpPr>
+              <p:cNvPr id="42" name="TextBox 41">
+                <a:extLst>
+                  <a:ext uri="{FF2B5EF4-FFF2-40B4-BE49-F238E27FC236}">
+                    <a16:creationId xmlns:a16="http://schemas.microsoft.com/office/drawing/2014/main" id="{C21F94A1-C5CD-41CB-88B3-24CEBAEF0423}"/>
+                  </a:ext>
+                </a:extLst>
+              </p:cNvPr>
+              <p:cNvSpPr txBox="1">
+                <a:spLocks noRot="1" noChangeAspect="1" noMove="1" noResize="1" noEditPoints="1" noAdjustHandles="1" noChangeArrowheads="1" noChangeShapeType="1" noTextEdit="1"/>
+              </p:cNvSpPr>
+              <p:nvPr/>
+            </p:nvSpPr>
+            <p:spPr>
+              <a:xfrm>
+                <a:off x="3540218" y="4694326"/>
+                <a:ext cx="342979" cy="369332"/>
+              </a:xfrm>
+              <a:prstGeom prst="rect">
+                <a:avLst/>
+              </a:prstGeom>
+              <a:blipFill>
+                <a:blip r:embed="rId5"/>
+                <a:stretch>
+                  <a:fillRect l="-12500" r="-12500" b="-16393"/>
+                </a:stretch>
+              </a:blipFill>
+            </p:spPr>
+            <p:txBody>
+              <a:bodyPr/>
+              <a:lstStyle/>
+              <a:p>
+                <a:r>
+                  <a:rPr lang="en-US">
+                    <a:noFill/>
+                  </a:rPr>
+                  <a:t> </a:t>
+                </a:r>
+              </a:p>
+            </p:txBody>
+          </p:sp>
+        </mc:Fallback>
+      </mc:AlternateContent>
+      <mc:AlternateContent xmlns:mc="http://schemas.openxmlformats.org/markup-compatibility/2006">
+        <mc:Choice xmlns:a14="http://schemas.microsoft.com/office/drawing/2010/main" Requires="a14">
+          <p:sp>
+            <p:nvSpPr>
+              <p:cNvPr id="43" name="TextBox 42">
+                <a:extLst>
+                  <a:ext uri="{FF2B5EF4-FFF2-40B4-BE49-F238E27FC236}">
+                    <a16:creationId xmlns:a16="http://schemas.microsoft.com/office/drawing/2014/main" id="{BC058605-8412-425C-BF1B-D45A7D9222E3}"/>
+                  </a:ext>
+                </a:extLst>
+              </p:cNvPr>
+              <p:cNvSpPr txBox="1"/>
+              <p:nvPr/>
+            </p:nvSpPr>
+            <p:spPr>
+              <a:xfrm>
+                <a:off x="3569394" y="3574608"/>
+                <a:ext cx="349390" cy="369332"/>
+              </a:xfrm>
+              <a:prstGeom prst="rect">
+                <a:avLst/>
+              </a:prstGeom>
+              <a:noFill/>
+            </p:spPr>
+            <p:txBody>
+              <a:bodyPr wrap="none" lIns="0" tIns="0" rIns="0" bIns="0" rtlCol="0">
+                <a:spAutoFit/>
+              </a:bodyPr>
+              <a:lstStyle/>
+              <a:p>
+                <a14:m>
+                  <m:oMathPara xmlns:m="http://schemas.openxmlformats.org/officeDocument/2006/math">
+                    <m:oMathParaPr>
+                      <m:jc m:val="centerGroup"/>
+                    </m:oMathParaPr>
+                    <m:oMath xmlns:m="http://schemas.openxmlformats.org/officeDocument/2006/math">
+                      <m:sSub>
+                        <m:sSubPr>
+                          <m:ctrlPr>
+                            <a:rPr lang="en-US" sz="2400" b="1" i="1" smtClean="0">
+                              <a:latin typeface="Cambria Math" panose="02040503050406030204" pitchFamily="18" charset="0"/>
+                            </a:rPr>
+                          </m:ctrlPr>
+                        </m:sSubPr>
+                        <m:e>
+                          <m:r>
+                            <a:rPr lang="en-US" sz="2400" b="1" i="1" smtClean="0">
+                              <a:latin typeface="Cambria Math" panose="02040503050406030204" pitchFamily="18" charset="0"/>
+                            </a:rPr>
+                            <m:t>𝒚</m:t>
+                          </m:r>
+                        </m:e>
+                        <m:sub>
+                          <m:r>
+                            <a:rPr lang="en-US" sz="2400" b="1" i="1" smtClean="0">
+                              <a:latin typeface="Cambria Math" panose="02040503050406030204" pitchFamily="18" charset="0"/>
+                            </a:rPr>
+                            <m:t>𝒍</m:t>
+                          </m:r>
+                        </m:sub>
+                      </m:sSub>
+                    </m:oMath>
+                  </m:oMathPara>
+                </a14:m>
+                <a:endParaRPr lang="en-US" b="1" dirty="0"/>
+              </a:p>
+            </p:txBody>
+          </p:sp>
+        </mc:Choice>
+        <mc:Fallback>
+          <p:sp>
+            <p:nvSpPr>
+              <p:cNvPr id="43" name="TextBox 42">
+                <a:extLst>
+                  <a:ext uri="{FF2B5EF4-FFF2-40B4-BE49-F238E27FC236}">
+                    <a16:creationId xmlns:a16="http://schemas.microsoft.com/office/drawing/2014/main" id="{BC058605-8412-425C-BF1B-D45A7D9222E3}"/>
+                  </a:ext>
+                </a:extLst>
+              </p:cNvPr>
+              <p:cNvSpPr txBox="1">
+                <a:spLocks noRot="1" noChangeAspect="1" noMove="1" noResize="1" noEditPoints="1" noAdjustHandles="1" noChangeArrowheads="1" noChangeShapeType="1" noTextEdit="1"/>
+              </p:cNvSpPr>
+              <p:nvPr/>
+            </p:nvSpPr>
+            <p:spPr>
+              <a:xfrm>
+                <a:off x="3569394" y="3574608"/>
+                <a:ext cx="349390" cy="369332"/>
+              </a:xfrm>
+              <a:prstGeom prst="rect">
+                <a:avLst/>
+              </a:prstGeom>
+              <a:blipFill>
+                <a:blip r:embed="rId6"/>
+                <a:stretch>
+                  <a:fillRect l="-22807" r="-12281" b="-26230"/>
+                </a:stretch>
+              </a:blipFill>
+            </p:spPr>
+            <p:txBody>
+              <a:bodyPr/>
+              <a:lstStyle/>
+              <a:p>
+                <a:r>
+                  <a:rPr lang="en-US">
+                    <a:noFill/>
+                  </a:rPr>
+                  <a:t> </a:t>
+                </a:r>
+              </a:p>
+            </p:txBody>
+          </p:sp>
+        </mc:Fallback>
+      </mc:AlternateContent>
+      <mc:AlternateContent xmlns:mc="http://schemas.openxmlformats.org/markup-compatibility/2006">
+        <mc:Choice xmlns:a14="http://schemas.microsoft.com/office/drawing/2010/main" Requires="a14">
+          <p:sp>
+            <p:nvSpPr>
+              <p:cNvPr id="44" name="TextBox 43">
+                <a:extLst>
+                  <a:ext uri="{FF2B5EF4-FFF2-40B4-BE49-F238E27FC236}">
+                    <a16:creationId xmlns:a16="http://schemas.microsoft.com/office/drawing/2014/main" id="{9E157511-B36B-48D6-A028-37847C3308E6}"/>
+                  </a:ext>
+                </a:extLst>
+              </p:cNvPr>
+              <p:cNvSpPr txBox="1"/>
+              <p:nvPr/>
+            </p:nvSpPr>
+            <p:spPr>
+              <a:xfrm>
+                <a:off x="2608458" y="3205276"/>
+                <a:ext cx="323742" cy="369332"/>
+              </a:xfrm>
+              <a:prstGeom prst="rect">
+                <a:avLst/>
+              </a:prstGeom>
+              <a:noFill/>
+            </p:spPr>
+            <p:txBody>
+              <a:bodyPr wrap="none" lIns="0" tIns="0" rIns="0" bIns="0" rtlCol="0">
+                <a:spAutoFit/>
+              </a:bodyPr>
+              <a:lstStyle/>
+              <a:p>
+                <a14:m>
+                  <m:oMathPara xmlns:m="http://schemas.openxmlformats.org/officeDocument/2006/math">
+                    <m:oMathParaPr>
+                      <m:jc m:val="centerGroup"/>
+                    </m:oMathParaPr>
+                    <m:oMath xmlns:m="http://schemas.openxmlformats.org/officeDocument/2006/math">
+                      <m:sSub>
+                        <m:sSubPr>
+                          <m:ctrlPr>
+                            <a:rPr lang="en-US" sz="2400" b="1" i="1" smtClean="0">
+                              <a:latin typeface="Cambria Math" panose="02040503050406030204" pitchFamily="18" charset="0"/>
+                            </a:rPr>
+                          </m:ctrlPr>
+                        </m:sSubPr>
+                        <m:e>
+                          <m:r>
+                            <a:rPr lang="en-US" sz="2400" b="1" i="1" smtClean="0">
+                              <a:latin typeface="Cambria Math" panose="02040503050406030204" pitchFamily="18" charset="0"/>
+                            </a:rPr>
+                            <m:t>𝒛</m:t>
+                          </m:r>
+                        </m:e>
+                        <m:sub>
+                          <m:r>
+                            <a:rPr lang="en-US" sz="2400" b="1" i="1" smtClean="0">
+                              <a:latin typeface="Cambria Math" panose="02040503050406030204" pitchFamily="18" charset="0"/>
+                            </a:rPr>
+                            <m:t>𝒍</m:t>
+                          </m:r>
+                        </m:sub>
+                      </m:sSub>
+                    </m:oMath>
+                  </m:oMathPara>
+                </a14:m>
+                <a:endParaRPr lang="en-US" b="1" dirty="0"/>
+              </a:p>
+            </p:txBody>
+          </p:sp>
+        </mc:Choice>
+        <mc:Fallback>
+          <p:sp>
+            <p:nvSpPr>
+              <p:cNvPr id="44" name="TextBox 43">
+                <a:extLst>
+                  <a:ext uri="{FF2B5EF4-FFF2-40B4-BE49-F238E27FC236}">
+                    <a16:creationId xmlns:a16="http://schemas.microsoft.com/office/drawing/2014/main" id="{9E157511-B36B-48D6-A028-37847C3308E6}"/>
+                  </a:ext>
+                </a:extLst>
+              </p:cNvPr>
+              <p:cNvSpPr txBox="1">
+                <a:spLocks noRot="1" noChangeAspect="1" noMove="1" noResize="1" noEditPoints="1" noAdjustHandles="1" noChangeArrowheads="1" noChangeShapeType="1" noTextEdit="1"/>
+              </p:cNvSpPr>
+              <p:nvPr/>
+            </p:nvSpPr>
+            <p:spPr>
+              <a:xfrm>
+                <a:off x="2608458" y="3205276"/>
+                <a:ext cx="323742" cy="369332"/>
+              </a:xfrm>
+              <a:prstGeom prst="rect">
+                <a:avLst/>
+              </a:prstGeom>
+              <a:blipFill>
+                <a:blip r:embed="rId7"/>
+                <a:stretch>
+                  <a:fillRect l="-13208" r="-13208" b="-18333"/>
+                </a:stretch>
+              </a:blipFill>
+            </p:spPr>
+            <p:txBody>
+              <a:bodyPr/>
+              <a:lstStyle/>
+              <a:p>
+                <a:r>
+                  <a:rPr lang="en-US">
+                    <a:noFill/>
+                  </a:rPr>
+                  <a:t> </a:t>
+                </a:r>
+              </a:p>
+            </p:txBody>
+          </p:sp>
+        </mc:Fallback>
+      </mc:AlternateContent>
+      <mc:AlternateContent xmlns:mc="http://schemas.openxmlformats.org/markup-compatibility/2006">
+        <mc:Choice xmlns:a14="http://schemas.microsoft.com/office/drawing/2010/main" Requires="a14">
+          <p:sp>
+            <p:nvSpPr>
+              <p:cNvPr id="45" name="TextBox 44">
+                <a:extLst>
+                  <a:ext uri="{FF2B5EF4-FFF2-40B4-BE49-F238E27FC236}">
+                    <a16:creationId xmlns:a16="http://schemas.microsoft.com/office/drawing/2014/main" id="{DD755812-FA15-4537-9FF2-8D861DCD689B}"/>
+                  </a:ext>
+                </a:extLst>
+              </p:cNvPr>
+              <p:cNvSpPr txBox="1"/>
+              <p:nvPr/>
+            </p:nvSpPr>
+            <p:spPr>
+              <a:xfrm>
+                <a:off x="3692618" y="4846726"/>
+                <a:ext cx="342979" cy="369332"/>
+              </a:xfrm>
+              <a:prstGeom prst="rect">
+                <a:avLst/>
+              </a:prstGeom>
+              <a:noFill/>
+            </p:spPr>
+            <p:txBody>
+              <a:bodyPr wrap="none" lIns="0" tIns="0" rIns="0" bIns="0" rtlCol="0">
+                <a:spAutoFit/>
+              </a:bodyPr>
+              <a:lstStyle/>
+              <a:p>
+                <a14:m>
+                  <m:oMathPara xmlns:m="http://schemas.openxmlformats.org/officeDocument/2006/math">
+                    <m:oMathParaPr>
+                      <m:jc m:val="centerGroup"/>
+                    </m:oMathParaPr>
+                    <m:oMath xmlns:m="http://schemas.openxmlformats.org/officeDocument/2006/math">
+                      <m:sSub>
+                        <m:sSubPr>
+                          <m:ctrlPr>
+                            <a:rPr lang="en-US" sz="2400" b="1" i="1" smtClean="0">
+                              <a:latin typeface="Cambria Math" panose="02040503050406030204" pitchFamily="18" charset="0"/>
+                            </a:rPr>
+                          </m:ctrlPr>
+                        </m:sSubPr>
+                        <m:e>
+                          <m:r>
+                            <a:rPr lang="en-US" sz="2400" b="1" i="1" smtClean="0">
+                              <a:latin typeface="Cambria Math" panose="02040503050406030204" pitchFamily="18" charset="0"/>
+                            </a:rPr>
+                            <m:t>𝒙</m:t>
+                          </m:r>
+                        </m:e>
+                        <m:sub>
+                          <m:r>
+                            <a:rPr lang="en-US" sz="2400" b="1" i="1" smtClean="0">
+                              <a:latin typeface="Cambria Math" panose="02040503050406030204" pitchFamily="18" charset="0"/>
+                            </a:rPr>
+                            <m:t>𝒍</m:t>
+                          </m:r>
+                        </m:sub>
+                      </m:sSub>
+                    </m:oMath>
+                  </m:oMathPara>
+                </a14:m>
+                <a:endParaRPr lang="en-US" b="1" dirty="0"/>
+              </a:p>
+            </p:txBody>
+          </p:sp>
+        </mc:Choice>
+        <mc:Fallback>
+          <p:sp>
+            <p:nvSpPr>
+              <p:cNvPr id="45" name="TextBox 44">
+                <a:extLst>
+                  <a:ext uri="{FF2B5EF4-FFF2-40B4-BE49-F238E27FC236}">
+                    <a16:creationId xmlns:a16="http://schemas.microsoft.com/office/drawing/2014/main" id="{DD755812-FA15-4537-9FF2-8D861DCD689B}"/>
+                  </a:ext>
+                </a:extLst>
+              </p:cNvPr>
+              <p:cNvSpPr txBox="1">
+                <a:spLocks noRot="1" noChangeAspect="1" noMove="1" noResize="1" noEditPoints="1" noAdjustHandles="1" noChangeArrowheads="1" noChangeShapeType="1" noTextEdit="1"/>
+              </p:cNvSpPr>
+              <p:nvPr/>
+            </p:nvSpPr>
+            <p:spPr>
+              <a:xfrm>
+                <a:off x="3692618" y="4846726"/>
+                <a:ext cx="342979" cy="369332"/>
+              </a:xfrm>
+              <a:prstGeom prst="rect">
+                <a:avLst/>
+              </a:prstGeom>
+              <a:blipFill>
+                <a:blip r:embed="rId5"/>
+                <a:stretch>
+                  <a:fillRect l="-12500" r="-12500" b="-16393"/>
+                </a:stretch>
+              </a:blipFill>
+            </p:spPr>
+            <p:txBody>
+              <a:bodyPr/>
+              <a:lstStyle/>
+              <a:p>
+                <a:r>
+                  <a:rPr lang="en-US">
+                    <a:noFill/>
+                  </a:rPr>
+                  <a:t> </a:t>
+                </a:r>
+              </a:p>
+            </p:txBody>
+          </p:sp>
+        </mc:Fallback>
+      </mc:AlternateContent>
+      <p:cxnSp>
+        <p:nvCxnSpPr>
+          <p:cNvPr id="53" name="Straight Connector 52">
+            <a:extLst>
+              <a:ext uri="{FF2B5EF4-FFF2-40B4-BE49-F238E27FC236}">
+                <a16:creationId xmlns:a16="http://schemas.microsoft.com/office/drawing/2014/main" id="{F4FCE39F-D78D-4C78-A98D-D1937FAA026C}"/>
+              </a:ext>
+            </a:extLst>
+          </p:cNvPr>
+          <p:cNvCxnSpPr>
+            <a:cxnSpLocks/>
+          </p:cNvCxnSpPr>
+          <p:nvPr/>
+        </p:nvCxnSpPr>
+        <p:spPr>
+          <a:xfrm flipV="1">
+            <a:off x="2851340" y="1333500"/>
+            <a:ext cx="2372027" cy="3026150"/>
+          </a:xfrm>
+          <a:prstGeom prst="line">
+            <a:avLst/>
+          </a:prstGeom>
+          <a:ln w="19050" cap="flat" cmpd="sng" algn="ctr">
+            <a:solidFill>
+              <a:schemeClr val="accent1"/>
+            </a:solidFill>
+            <a:prstDash val="dash"/>
+            <a:round/>
+            <a:headEnd type="none" w="med" len="med"/>
+            <a:tailEnd type="none" w="med" len="med"/>
+          </a:ln>
+        </p:spPr>
+        <p:style>
+          <a:lnRef idx="0">
+            <a:scrgbClr r="0" g="0" b="0"/>
+          </a:lnRef>
+          <a:fillRef idx="0">
+            <a:scrgbClr r="0" g="0" b="0"/>
+          </a:fillRef>
+          <a:effectRef idx="0">
+            <a:scrgbClr r="0" g="0" b="0"/>
+          </a:effectRef>
+          <a:fontRef idx="minor">
+            <a:schemeClr val="tx1"/>
+          </a:fontRef>
+        </p:style>
+      </p:cxnSp>
+      <p:cxnSp>
+        <p:nvCxnSpPr>
+          <p:cNvPr id="54" name="Straight Connector 53">
+            <a:extLst>
+              <a:ext uri="{FF2B5EF4-FFF2-40B4-BE49-F238E27FC236}">
+                <a16:creationId xmlns:a16="http://schemas.microsoft.com/office/drawing/2014/main" id="{6E1CB73C-29B3-4F6B-9539-BE62D6B4F151}"/>
+              </a:ext>
+            </a:extLst>
+          </p:cNvPr>
+          <p:cNvCxnSpPr>
+            <a:cxnSpLocks/>
+          </p:cNvCxnSpPr>
+          <p:nvPr/>
+        </p:nvCxnSpPr>
+        <p:spPr>
+          <a:xfrm flipH="1" flipV="1">
+            <a:off x="5680350" y="1230968"/>
+            <a:ext cx="2063372" cy="2438660"/>
+          </a:xfrm>
+          <a:prstGeom prst="line">
+            <a:avLst/>
+          </a:prstGeom>
+          <a:ln w="19050" cap="flat" cmpd="sng" algn="ctr">
+            <a:solidFill>
+              <a:schemeClr val="accent1"/>
+            </a:solidFill>
+            <a:prstDash val="dash"/>
+            <a:round/>
+            <a:headEnd type="none" w="med" len="med"/>
+            <a:tailEnd type="none" w="med" len="med"/>
+          </a:ln>
+        </p:spPr>
+        <p:style>
+          <a:lnRef idx="0">
+            <a:scrgbClr r="0" g="0" b="0"/>
+          </a:lnRef>
+          <a:fillRef idx="0">
+            <a:scrgbClr r="0" g="0" b="0"/>
+          </a:fillRef>
+          <a:effectRef idx="0">
+            <a:scrgbClr r="0" g="0" b="0"/>
+          </a:effectRef>
+          <a:fontRef idx="minor">
+            <a:schemeClr val="tx1"/>
+          </a:fontRef>
+        </p:style>
+      </p:cxnSp>
+      <p:cxnSp>
+        <p:nvCxnSpPr>
+          <p:cNvPr id="58" name="Straight Connector 57">
+            <a:extLst>
+              <a:ext uri="{FF2B5EF4-FFF2-40B4-BE49-F238E27FC236}">
+                <a16:creationId xmlns:a16="http://schemas.microsoft.com/office/drawing/2014/main" id="{252C4149-5EE7-47B3-9A68-A114E2FBC924}"/>
+              </a:ext>
+            </a:extLst>
+          </p:cNvPr>
+          <p:cNvCxnSpPr>
+            <a:cxnSpLocks/>
+          </p:cNvCxnSpPr>
+          <p:nvPr/>
+        </p:nvCxnSpPr>
+        <p:spPr>
+          <a:xfrm flipH="1" flipV="1">
+            <a:off x="5680350" y="2148219"/>
+            <a:ext cx="833027" cy="604158"/>
+          </a:xfrm>
+          <a:prstGeom prst="line">
+            <a:avLst/>
+          </a:prstGeom>
+          <a:ln w="19050" cap="flat" cmpd="sng" algn="ctr">
+            <a:solidFill>
+              <a:schemeClr val="accent1"/>
+            </a:solidFill>
+            <a:prstDash val="dash"/>
+            <a:round/>
+            <a:headEnd type="none" w="med" len="med"/>
+            <a:tailEnd type="none" w="med" len="med"/>
+          </a:ln>
+        </p:spPr>
+        <p:style>
+          <a:lnRef idx="0">
+            <a:scrgbClr r="0" g="0" b="0"/>
+          </a:lnRef>
+          <a:fillRef idx="0">
+            <a:scrgbClr r="0" g="0" b="0"/>
+          </a:fillRef>
+          <a:effectRef idx="0">
+            <a:scrgbClr r="0" g="0" b="0"/>
+          </a:effectRef>
+          <a:fontRef idx="minor">
+            <a:schemeClr val="tx1"/>
+          </a:fontRef>
+        </p:style>
+      </p:cxnSp>
+      <p:cxnSp>
+        <p:nvCxnSpPr>
+          <p:cNvPr id="61" name="Straight Connector 60">
+            <a:extLst>
+              <a:ext uri="{FF2B5EF4-FFF2-40B4-BE49-F238E27FC236}">
+                <a16:creationId xmlns:a16="http://schemas.microsoft.com/office/drawing/2014/main" id="{7E6C117C-59C4-4833-BAE1-59EF99B15629}"/>
+              </a:ext>
+            </a:extLst>
+          </p:cNvPr>
+          <p:cNvCxnSpPr>
+            <a:cxnSpLocks/>
+          </p:cNvCxnSpPr>
+          <p:nvPr/>
+        </p:nvCxnSpPr>
+        <p:spPr>
+          <a:xfrm flipV="1">
+            <a:off x="4423830" y="2148219"/>
+            <a:ext cx="1042419" cy="707534"/>
+          </a:xfrm>
+          <a:prstGeom prst="line">
+            <a:avLst/>
+          </a:prstGeom>
+          <a:ln w="19050" cap="flat" cmpd="sng" algn="ctr">
+            <a:solidFill>
+              <a:schemeClr val="accent1"/>
+            </a:solidFill>
+            <a:prstDash val="dash"/>
+            <a:round/>
+            <a:headEnd type="none" w="med" len="med"/>
+            <a:tailEnd type="none" w="med" len="med"/>
+          </a:ln>
+        </p:spPr>
+        <p:style>
+          <a:lnRef idx="0">
+            <a:scrgbClr r="0" g="0" b="0"/>
+          </a:lnRef>
+          <a:fillRef idx="0">
+            <a:scrgbClr r="0" g="0" b="0"/>
+          </a:fillRef>
+          <a:effectRef idx="0">
+            <a:scrgbClr r="0" g="0" b="0"/>
+          </a:effectRef>
+          <a:fontRef idx="minor">
+            <a:schemeClr val="tx1"/>
+          </a:fontRef>
+        </p:style>
+      </p:cxnSp>
+      <p:cxnSp>
+        <p:nvCxnSpPr>
+          <p:cNvPr id="65" name="Straight Connector 64">
+            <a:extLst>
+              <a:ext uri="{FF2B5EF4-FFF2-40B4-BE49-F238E27FC236}">
+                <a16:creationId xmlns:a16="http://schemas.microsoft.com/office/drawing/2014/main" id="{AA9EC510-4811-44F1-AA92-5C1E29E1AA58}"/>
+              </a:ext>
+            </a:extLst>
+          </p:cNvPr>
+          <p:cNvCxnSpPr>
+            <a:cxnSpLocks/>
+          </p:cNvCxnSpPr>
+          <p:nvPr/>
+        </p:nvCxnSpPr>
+        <p:spPr>
+          <a:xfrm flipV="1">
+            <a:off x="5791200" y="2682408"/>
+            <a:ext cx="1858559" cy="987219"/>
+          </a:xfrm>
+          <a:prstGeom prst="line">
+            <a:avLst/>
+          </a:prstGeom>
+          <a:ln w="19050" cap="flat" cmpd="sng" algn="ctr">
+            <a:solidFill>
+              <a:schemeClr val="accent1"/>
+            </a:solidFill>
+            <a:prstDash val="dash"/>
+            <a:round/>
+            <a:headEnd type="none" w="med" len="med"/>
+            <a:tailEnd type="none" w="med" len="med"/>
+          </a:ln>
+        </p:spPr>
+        <p:style>
+          <a:lnRef idx="0">
+            <a:scrgbClr r="0" g="0" b="0"/>
+          </a:lnRef>
+          <a:fillRef idx="0">
+            <a:scrgbClr r="0" g="0" b="0"/>
+          </a:fillRef>
+          <a:effectRef idx="0">
+            <a:scrgbClr r="0" g="0" b="0"/>
+          </a:effectRef>
+          <a:fontRef idx="minor">
+            <a:schemeClr val="tx1"/>
+          </a:fontRef>
+        </p:style>
+      </p:cxnSp>
+      <p:cxnSp>
+        <p:nvCxnSpPr>
+          <p:cNvPr id="67" name="Straight Connector 66">
+            <a:extLst>
+              <a:ext uri="{FF2B5EF4-FFF2-40B4-BE49-F238E27FC236}">
+                <a16:creationId xmlns:a16="http://schemas.microsoft.com/office/drawing/2014/main" id="{2CA40D73-C1F6-4F1F-A185-6A84112028EB}"/>
+              </a:ext>
+            </a:extLst>
+          </p:cNvPr>
+          <p:cNvCxnSpPr>
+            <a:cxnSpLocks/>
+          </p:cNvCxnSpPr>
+          <p:nvPr/>
+        </p:nvCxnSpPr>
+        <p:spPr>
+          <a:xfrm flipH="1" flipV="1">
+            <a:off x="7743722" y="2686705"/>
+            <a:ext cx="581250" cy="518571"/>
+          </a:xfrm>
+          <a:prstGeom prst="line">
+            <a:avLst/>
+          </a:prstGeom>
+          <a:ln w="19050" cap="flat" cmpd="sng" algn="ctr">
+            <a:solidFill>
+              <a:schemeClr val="accent1"/>
+            </a:solidFill>
+            <a:prstDash val="dash"/>
+            <a:round/>
+            <a:headEnd type="none" w="med" len="med"/>
+            <a:tailEnd type="none" w="med" len="med"/>
+          </a:ln>
+        </p:spPr>
+        <p:style>
+          <a:lnRef idx="0">
+            <a:scrgbClr r="0" g="0" b="0"/>
+          </a:lnRef>
+          <a:fillRef idx="0">
+            <a:scrgbClr r="0" g="0" b="0"/>
+          </a:fillRef>
+          <a:effectRef idx="0">
+            <a:scrgbClr r="0" g="0" b="0"/>
+          </a:effectRef>
+          <a:fontRef idx="minor">
+            <a:schemeClr val="tx1"/>
+          </a:fontRef>
+        </p:style>
+      </p:cxnSp>
+      <p:cxnSp>
+        <p:nvCxnSpPr>
+          <p:cNvPr id="70" name="Straight Connector 69">
+            <a:extLst>
+              <a:ext uri="{FF2B5EF4-FFF2-40B4-BE49-F238E27FC236}">
+                <a16:creationId xmlns:a16="http://schemas.microsoft.com/office/drawing/2014/main" id="{6F5B4638-A56D-40EA-8886-B32A6049F71D}"/>
+              </a:ext>
+            </a:extLst>
+          </p:cNvPr>
+          <p:cNvCxnSpPr>
+            <a:cxnSpLocks/>
+          </p:cNvCxnSpPr>
+          <p:nvPr/>
+        </p:nvCxnSpPr>
+        <p:spPr>
+          <a:xfrm flipH="1" flipV="1">
+            <a:off x="8147711" y="1800225"/>
+            <a:ext cx="255264" cy="645425"/>
+          </a:xfrm>
+          <a:prstGeom prst="line">
+            <a:avLst/>
+          </a:prstGeom>
+          <a:ln w="19050" cap="flat" cmpd="sng" algn="ctr">
+            <a:solidFill>
+              <a:schemeClr val="accent1"/>
+            </a:solidFill>
+            <a:prstDash val="dash"/>
+            <a:round/>
+            <a:headEnd type="none" w="med" len="med"/>
+            <a:tailEnd type="none" w="med" len="med"/>
+          </a:ln>
+        </p:spPr>
+        <p:style>
+          <a:lnRef idx="0">
+            <a:scrgbClr r="0" g="0" b="0"/>
+          </a:lnRef>
+          <a:fillRef idx="0">
+            <a:scrgbClr r="0" g="0" b="0"/>
+          </a:fillRef>
+          <a:effectRef idx="0">
+            <a:scrgbClr r="0" g="0" b="0"/>
+          </a:effectRef>
+          <a:fontRef idx="minor">
+            <a:schemeClr val="tx1"/>
+          </a:fontRef>
+        </p:style>
+      </p:cxnSp>
+      <p:cxnSp>
+        <p:nvCxnSpPr>
+          <p:cNvPr id="72" name="Straight Connector 71">
+            <a:extLst>
+              <a:ext uri="{FF2B5EF4-FFF2-40B4-BE49-F238E27FC236}">
+                <a16:creationId xmlns:a16="http://schemas.microsoft.com/office/drawing/2014/main" id="{14ACACAC-C198-46EB-ADCE-3AF9DC4EFF9F}"/>
+              </a:ext>
+            </a:extLst>
+          </p:cNvPr>
+          <p:cNvCxnSpPr>
+            <a:cxnSpLocks/>
+          </p:cNvCxnSpPr>
+          <p:nvPr/>
+        </p:nvCxnSpPr>
+        <p:spPr>
+          <a:xfrm flipV="1">
+            <a:off x="7563416" y="1813418"/>
+            <a:ext cx="413686" cy="459933"/>
+          </a:xfrm>
+          <a:prstGeom prst="line">
+            <a:avLst/>
+          </a:prstGeom>
+          <a:ln w="19050" cap="flat" cmpd="sng" algn="ctr">
+            <a:solidFill>
+              <a:schemeClr val="accent1"/>
+            </a:solidFill>
+            <a:prstDash val="dash"/>
+            <a:round/>
+            <a:headEnd type="none" w="med" len="med"/>
+            <a:tailEnd type="none" w="med" len="med"/>
+          </a:ln>
+        </p:spPr>
+        <p:style>
+          <a:lnRef idx="0">
+            <a:scrgbClr r="0" g="0" b="0"/>
+          </a:lnRef>
+          <a:fillRef idx="0">
+            <a:scrgbClr r="0" g="0" b="0"/>
+          </a:fillRef>
+          <a:effectRef idx="0">
+            <a:scrgbClr r="0" g="0" b="0"/>
+          </a:effectRef>
+          <a:fontRef idx="minor">
+            <a:schemeClr val="tx1"/>
+          </a:fontRef>
+        </p:style>
+      </p:cxnSp>
+      <p:sp>
+        <p:nvSpPr>
+          <p:cNvPr id="76" name="Oval 75">
+            <a:extLst>
+              <a:ext uri="{FF2B5EF4-FFF2-40B4-BE49-F238E27FC236}">
+                <a16:creationId xmlns:a16="http://schemas.microsoft.com/office/drawing/2014/main" id="{F89E0E98-6402-466A-9E7C-087C296A09FF}"/>
+              </a:ext>
+            </a:extLst>
+          </p:cNvPr>
+          <p:cNvSpPr/>
+          <p:nvPr/>
+        </p:nvSpPr>
+        <p:spPr>
+          <a:xfrm>
+            <a:off x="5242080" y="944116"/>
+            <a:ext cx="417354" cy="389384"/>
+          </a:xfrm>
+          <a:prstGeom prst="ellipse">
+            <a:avLst/>
+          </a:prstGeom>
+        </p:spPr>
+        <p:style>
+          <a:lnRef idx="2">
+            <a:schemeClr val="accent5"/>
+          </a:lnRef>
+          <a:fillRef idx="1">
+            <a:schemeClr val="lt1"/>
+          </a:fillRef>
+          <a:effectRef idx="0">
+            <a:schemeClr val="accent5"/>
+          </a:effectRef>
+          <a:fontRef idx="minor">
+            <a:schemeClr val="dk1"/>
+          </a:fontRef>
+        </p:style>
+        <p:txBody>
+          <a:bodyPr rtlCol="0" anchor="ctr"/>
+          <a:lstStyle/>
+          <a:p>
+            <a:pPr algn="ctr"/>
+            <a:r>
+              <a:rPr lang="en-US" dirty="0"/>
+              <a:t>1</a:t>
+            </a:r>
+          </a:p>
+        </p:txBody>
+      </p:sp>
+      <p:sp>
+        <p:nvSpPr>
+          <p:cNvPr id="77" name="Oval 76">
+            <a:extLst>
+              <a:ext uri="{FF2B5EF4-FFF2-40B4-BE49-F238E27FC236}">
+                <a16:creationId xmlns:a16="http://schemas.microsoft.com/office/drawing/2014/main" id="{65D3EDAE-51D4-40AC-8048-B7846BE4C1A7}"/>
+              </a:ext>
+            </a:extLst>
+          </p:cNvPr>
+          <p:cNvSpPr/>
+          <p:nvPr/>
+        </p:nvSpPr>
+        <p:spPr>
+          <a:xfrm>
+            <a:off x="5435949" y="1846579"/>
+            <a:ext cx="293981" cy="331751"/>
+          </a:xfrm>
+          <a:prstGeom prst="ellipse">
+            <a:avLst/>
+          </a:prstGeom>
+        </p:spPr>
+        <p:style>
+          <a:lnRef idx="2">
+            <a:schemeClr val="accent5"/>
+          </a:lnRef>
+          <a:fillRef idx="1">
+            <a:schemeClr val="lt1"/>
+          </a:fillRef>
+          <a:effectRef idx="0">
+            <a:schemeClr val="accent5"/>
+          </a:effectRef>
+          <a:fontRef idx="minor">
+            <a:schemeClr val="dk1"/>
+          </a:fontRef>
+        </p:style>
+        <p:txBody>
+          <a:bodyPr rtlCol="0" anchor="ctr"/>
+          <a:lstStyle/>
+          <a:p>
+            <a:pPr algn="ctr"/>
+            <a:r>
+              <a:rPr lang="en-US" dirty="0"/>
+              <a:t>2</a:t>
+            </a:r>
+          </a:p>
+        </p:txBody>
+      </p:sp>
+      <p:sp>
+        <p:nvSpPr>
+          <p:cNvPr id="78" name="Oval 77">
+            <a:extLst>
+              <a:ext uri="{FF2B5EF4-FFF2-40B4-BE49-F238E27FC236}">
+                <a16:creationId xmlns:a16="http://schemas.microsoft.com/office/drawing/2014/main" id="{A0498F4B-12D5-4350-94A4-3BA6609E6C9C}"/>
+              </a:ext>
+            </a:extLst>
+          </p:cNvPr>
+          <p:cNvSpPr/>
+          <p:nvPr/>
+        </p:nvSpPr>
+        <p:spPr>
+          <a:xfrm>
+            <a:off x="7441082" y="2438397"/>
+            <a:ext cx="417354" cy="389384"/>
+          </a:xfrm>
+          <a:prstGeom prst="ellipse">
+            <a:avLst/>
+          </a:prstGeom>
+        </p:spPr>
+        <p:style>
+          <a:lnRef idx="2">
+            <a:schemeClr val="accent5"/>
+          </a:lnRef>
+          <a:fillRef idx="1">
+            <a:schemeClr val="lt1"/>
+          </a:fillRef>
+          <a:effectRef idx="0">
+            <a:schemeClr val="accent5"/>
+          </a:effectRef>
+          <a:fontRef idx="minor">
+            <a:schemeClr val="dk1"/>
+          </a:fontRef>
+        </p:style>
+        <p:txBody>
+          <a:bodyPr rtlCol="0" anchor="ctr"/>
+          <a:lstStyle/>
+          <a:p>
+            <a:pPr algn="ctr"/>
+            <a:r>
+              <a:rPr lang="en-US" dirty="0"/>
+              <a:t>3</a:t>
+            </a:r>
+          </a:p>
+        </p:txBody>
+      </p:sp>
+      <p:sp>
+        <p:nvSpPr>
+          <p:cNvPr id="79" name="Oval 78">
+            <a:extLst>
+              <a:ext uri="{FF2B5EF4-FFF2-40B4-BE49-F238E27FC236}">
+                <a16:creationId xmlns:a16="http://schemas.microsoft.com/office/drawing/2014/main" id="{26A5DD7F-A674-47A6-9C1F-973239B414B9}"/>
+              </a:ext>
+            </a:extLst>
+          </p:cNvPr>
+          <p:cNvSpPr/>
+          <p:nvPr/>
+        </p:nvSpPr>
+        <p:spPr>
+          <a:xfrm>
+            <a:off x="7853730" y="1575000"/>
+            <a:ext cx="417354" cy="389384"/>
+          </a:xfrm>
+          <a:prstGeom prst="ellipse">
+            <a:avLst/>
+          </a:prstGeom>
+        </p:spPr>
+        <p:style>
+          <a:lnRef idx="2">
+            <a:schemeClr val="accent5"/>
+          </a:lnRef>
+          <a:fillRef idx="1">
+            <a:schemeClr val="lt1"/>
+          </a:fillRef>
+          <a:effectRef idx="0">
+            <a:schemeClr val="accent5"/>
+          </a:effectRef>
+          <a:fontRef idx="minor">
+            <a:schemeClr val="dk1"/>
+          </a:fontRef>
+        </p:style>
+        <p:txBody>
+          <a:bodyPr rtlCol="0" anchor="ctr"/>
+          <a:lstStyle/>
+          <a:p>
+            <a:pPr algn="ctr"/>
+            <a:r>
+              <a:rPr lang="en-US" dirty="0"/>
+              <a:t>4</a:t>
+            </a:r>
+          </a:p>
+        </p:txBody>
+      </p:sp>
+      <mc:AlternateContent xmlns:mc="http://schemas.openxmlformats.org/markup-compatibility/2006">
+        <mc:Choice xmlns:a14="http://schemas.microsoft.com/office/drawing/2010/main" Requires="a14">
+          <p:sp>
+            <p:nvSpPr>
+              <p:cNvPr id="80" name="TextBox 79">
+                <a:extLst>
+                  <a:ext uri="{FF2B5EF4-FFF2-40B4-BE49-F238E27FC236}">
+                    <a16:creationId xmlns:a16="http://schemas.microsoft.com/office/drawing/2014/main" id="{955FA124-0406-4C9A-878C-7E3DADBCBEF4}"/>
+                  </a:ext>
+                </a:extLst>
+              </p:cNvPr>
+              <p:cNvSpPr txBox="1"/>
+              <p:nvPr/>
+            </p:nvSpPr>
+            <p:spPr>
+              <a:xfrm>
+                <a:off x="6579419" y="1964384"/>
+                <a:ext cx="530530" cy="385555"/>
+              </a:xfrm>
+              <a:prstGeom prst="rect">
+                <a:avLst/>
+              </a:prstGeom>
+              <a:noFill/>
+            </p:spPr>
+            <p:txBody>
+              <a:bodyPr wrap="none" lIns="0" tIns="0" rIns="0" bIns="0" rtlCol="0">
+                <a:spAutoFit/>
+              </a:bodyPr>
+              <a:lstStyle/>
+              <a:p>
+                <a14:m>
+                  <m:oMathPara xmlns:m="http://schemas.openxmlformats.org/officeDocument/2006/math">
+                    <m:oMathParaPr>
+                      <m:jc m:val="centerGroup"/>
+                    </m:oMathParaPr>
+                    <m:oMath xmlns:m="http://schemas.openxmlformats.org/officeDocument/2006/math">
+                      <m:sSub>
+                        <m:sSubPr>
+                          <m:ctrlPr>
+                            <a:rPr lang="en-US" sz="2400" b="1" i="1" smtClean="0">
+                              <a:latin typeface="Cambria Math" panose="02040503050406030204" pitchFamily="18" charset="0"/>
+                            </a:rPr>
+                          </m:ctrlPr>
+                        </m:sSubPr>
+                        <m:e>
+                          <m:r>
+                            <a:rPr lang="en-US" sz="2400" b="1" i="1" smtClean="0">
+                              <a:latin typeface="Cambria Math" panose="02040503050406030204" pitchFamily="18" charset="0"/>
+                            </a:rPr>
+                            <m:t>𝒅</m:t>
+                          </m:r>
+                        </m:e>
+                        <m:sub>
+                          <m:r>
+                            <a:rPr lang="en-US" sz="2400" b="1" i="1" smtClean="0">
+                              <a:latin typeface="Cambria Math" panose="02040503050406030204" pitchFamily="18" charset="0"/>
+                            </a:rPr>
+                            <m:t>𝒓</m:t>
+                          </m:r>
+                          <m:r>
+                            <a:rPr lang="en-US" sz="2400" b="1" i="1" smtClean="0">
+                              <a:latin typeface="Cambria Math" panose="02040503050406030204" pitchFamily="18" charset="0"/>
+                            </a:rPr>
+                            <m:t>,</m:t>
+                          </m:r>
+                          <m:r>
+                            <a:rPr lang="en-US" sz="2400" b="1" i="1" smtClean="0">
+                              <a:latin typeface="Cambria Math" panose="02040503050406030204" pitchFamily="18" charset="0"/>
+                            </a:rPr>
+                            <m:t>𝒊</m:t>
+                          </m:r>
+                        </m:sub>
+                      </m:sSub>
+                    </m:oMath>
+                  </m:oMathPara>
+                </a14:m>
+                <a:endParaRPr lang="en-US" b="1" dirty="0"/>
+              </a:p>
+            </p:txBody>
+          </p:sp>
+        </mc:Choice>
+        <mc:Fallback>
+          <p:sp>
+            <p:nvSpPr>
+              <p:cNvPr id="80" name="TextBox 79">
+                <a:extLst>
+                  <a:ext uri="{FF2B5EF4-FFF2-40B4-BE49-F238E27FC236}">
+                    <a16:creationId xmlns:a16="http://schemas.microsoft.com/office/drawing/2014/main" id="{955FA124-0406-4C9A-878C-7E3DADBCBEF4}"/>
+                  </a:ext>
+                </a:extLst>
+              </p:cNvPr>
+              <p:cNvSpPr txBox="1">
+                <a:spLocks noRot="1" noChangeAspect="1" noMove="1" noResize="1" noEditPoints="1" noAdjustHandles="1" noChangeArrowheads="1" noChangeShapeType="1" noTextEdit="1"/>
+              </p:cNvSpPr>
+              <p:nvPr/>
+            </p:nvSpPr>
+            <p:spPr>
+              <a:xfrm>
+                <a:off x="6579419" y="1964384"/>
+                <a:ext cx="530530" cy="385555"/>
+              </a:xfrm>
+              <a:prstGeom prst="rect">
+                <a:avLst/>
+              </a:prstGeom>
+              <a:blipFill>
+                <a:blip r:embed="rId8"/>
+                <a:stretch>
+                  <a:fillRect l="-13793" r="-6897" b="-12698"/>
+                </a:stretch>
+              </a:blipFill>
+            </p:spPr>
+            <p:txBody>
+              <a:bodyPr/>
+              <a:lstStyle/>
+              <a:p>
+                <a:r>
+                  <a:rPr lang="en-US">
+                    <a:noFill/>
+                  </a:rPr>
+                  <a:t> </a:t>
+                </a:r>
+              </a:p>
+            </p:txBody>
+          </p:sp>
+        </mc:Fallback>
+      </mc:AlternateContent>
+      <mc:AlternateContent xmlns:mc="http://schemas.openxmlformats.org/markup-compatibility/2006">
+        <mc:Choice xmlns:a14="http://schemas.microsoft.com/office/drawing/2010/main" Requires="a14">
+          <p:sp>
+            <p:nvSpPr>
+              <p:cNvPr id="81" name="TextBox 80">
+                <a:extLst>
+                  <a:ext uri="{FF2B5EF4-FFF2-40B4-BE49-F238E27FC236}">
+                    <a16:creationId xmlns:a16="http://schemas.microsoft.com/office/drawing/2014/main" id="{9ACA58BD-CC7A-4010-B093-BC86DB267B8F}"/>
+                  </a:ext>
+                </a:extLst>
+              </p:cNvPr>
+              <p:cNvSpPr txBox="1"/>
+              <p:nvPr/>
+            </p:nvSpPr>
+            <p:spPr>
+              <a:xfrm>
+                <a:off x="3778586" y="2157161"/>
+                <a:ext cx="493661" cy="385555"/>
+              </a:xfrm>
+              <a:prstGeom prst="rect">
+                <a:avLst/>
+              </a:prstGeom>
+              <a:noFill/>
+            </p:spPr>
+            <p:txBody>
+              <a:bodyPr wrap="none" lIns="0" tIns="0" rIns="0" bIns="0" rtlCol="0">
+                <a:spAutoFit/>
+              </a:bodyPr>
+              <a:lstStyle/>
+              <a:p>
+                <a14:m>
+                  <m:oMathPara xmlns:m="http://schemas.openxmlformats.org/officeDocument/2006/math">
+                    <m:oMathParaPr>
+                      <m:jc m:val="centerGroup"/>
+                    </m:oMathParaPr>
+                    <m:oMath xmlns:m="http://schemas.openxmlformats.org/officeDocument/2006/math">
+                      <m:sSub>
+                        <m:sSubPr>
+                          <m:ctrlPr>
+                            <a:rPr lang="en-US" sz="2400" b="1" i="1" smtClean="0">
+                              <a:latin typeface="Cambria Math" panose="02040503050406030204" pitchFamily="18" charset="0"/>
+                            </a:rPr>
+                          </m:ctrlPr>
+                        </m:sSubPr>
+                        <m:e>
+                          <m:r>
+                            <a:rPr lang="en-US" sz="2400" b="1" i="1" smtClean="0">
+                              <a:latin typeface="Cambria Math" panose="02040503050406030204" pitchFamily="18" charset="0"/>
+                            </a:rPr>
+                            <m:t>𝒅</m:t>
+                          </m:r>
+                        </m:e>
+                        <m:sub>
+                          <m:r>
+                            <a:rPr lang="en-US" sz="2400" b="1" i="1" smtClean="0">
+                              <a:latin typeface="Cambria Math" panose="02040503050406030204" pitchFamily="18" charset="0"/>
+                            </a:rPr>
+                            <m:t>𝒍</m:t>
+                          </m:r>
+                          <m:r>
+                            <a:rPr lang="en-US" sz="2400" b="1" i="1" smtClean="0">
+                              <a:latin typeface="Cambria Math" panose="02040503050406030204" pitchFamily="18" charset="0"/>
+                            </a:rPr>
+                            <m:t>,</m:t>
+                          </m:r>
+                          <m:r>
+                            <a:rPr lang="en-US" sz="2400" b="1" i="1" smtClean="0">
+                              <a:latin typeface="Cambria Math" panose="02040503050406030204" pitchFamily="18" charset="0"/>
+                            </a:rPr>
+                            <m:t>𝒊</m:t>
+                          </m:r>
+                        </m:sub>
+                      </m:sSub>
+                    </m:oMath>
+                  </m:oMathPara>
+                </a14:m>
+                <a:endParaRPr lang="en-US" b="1" dirty="0"/>
+              </a:p>
+            </p:txBody>
+          </p:sp>
+        </mc:Choice>
+        <mc:Fallback>
+          <p:sp>
+            <p:nvSpPr>
+              <p:cNvPr id="81" name="TextBox 80">
+                <a:extLst>
+                  <a:ext uri="{FF2B5EF4-FFF2-40B4-BE49-F238E27FC236}">
+                    <a16:creationId xmlns:a16="http://schemas.microsoft.com/office/drawing/2014/main" id="{9ACA58BD-CC7A-4010-B093-BC86DB267B8F}"/>
+                  </a:ext>
+                </a:extLst>
+              </p:cNvPr>
+              <p:cNvSpPr txBox="1">
+                <a:spLocks noRot="1" noChangeAspect="1" noMove="1" noResize="1" noEditPoints="1" noAdjustHandles="1" noChangeArrowheads="1" noChangeShapeType="1" noTextEdit="1"/>
+              </p:cNvSpPr>
+              <p:nvPr/>
+            </p:nvSpPr>
+            <p:spPr>
+              <a:xfrm>
+                <a:off x="3778586" y="2157161"/>
+                <a:ext cx="493661" cy="385555"/>
+              </a:xfrm>
+              <a:prstGeom prst="rect">
+                <a:avLst/>
+              </a:prstGeom>
+              <a:blipFill>
+                <a:blip r:embed="rId9"/>
+                <a:stretch>
+                  <a:fillRect l="-16049" r="-7407" b="-14286"/>
+                </a:stretch>
+              </a:blipFill>
+            </p:spPr>
+            <p:txBody>
+              <a:bodyPr/>
+              <a:lstStyle/>
+              <a:p>
+                <a:r>
+                  <a:rPr lang="en-US">
+                    <a:noFill/>
+                  </a:rPr>
+                  <a:t> </a:t>
+                </a:r>
+              </a:p>
+            </p:txBody>
+          </p:sp>
+        </mc:Fallback>
+      </mc:AlternateContent>
+    </p:spTree>
+    <p:extLst>
+      <p:ext uri="{BB962C8B-B14F-4D97-AF65-F5344CB8AC3E}">
+        <p14:creationId xmlns:p14="http://schemas.microsoft.com/office/powerpoint/2010/main" val="1730192914"/>
       </p:ext>
     </p:extLst>
   </p:cSld>
